--- a/AEtypes/denoising autoencoder/DeepDenoising/DeepDenoisingSparceOldConf/DenoisingSparseReports/DenoisingDeep/AUTHENTICATION DenoisingAE5(deep).pptx
+++ b/AEtypes/denoising autoencoder/DeepDenoising/DeepDenoisingSparceOldConf/DenoisingSparseReports/DenoisingDeep/AUTHENTICATION DenoisingAE5(deep).pptx
@@ -256,7 +256,7 @@
           <a:p>
             <a:fld id="{553A844F-FF5C-934C-B225-48B8FD889570}" type="datetimeFigureOut">
               <a:rPr lang="en-US" smtClean="0"/>
-              <a:t>1/17/2018</a:t>
+              <a:t>2/8/2018</a:t>
             </a:fld>
             <a:endParaRPr lang="en-US"/>
           </a:p>
@@ -426,7 +426,7 @@
           <a:p>
             <a:fld id="{553A844F-FF5C-934C-B225-48B8FD889570}" type="datetimeFigureOut">
               <a:rPr lang="en-US" smtClean="0"/>
-              <a:t>1/17/2018</a:t>
+              <a:t>2/8/2018</a:t>
             </a:fld>
             <a:endParaRPr lang="en-US"/>
           </a:p>
@@ -606,7 +606,7 @@
           <a:p>
             <a:fld id="{553A844F-FF5C-934C-B225-48B8FD889570}" type="datetimeFigureOut">
               <a:rPr lang="en-US" smtClean="0"/>
-              <a:t>1/17/2018</a:t>
+              <a:t>2/8/2018</a:t>
             </a:fld>
             <a:endParaRPr lang="en-US"/>
           </a:p>
@@ -776,7 +776,7 @@
           <a:p>
             <a:fld id="{553A844F-FF5C-934C-B225-48B8FD889570}" type="datetimeFigureOut">
               <a:rPr lang="en-US" smtClean="0"/>
-              <a:t>1/17/2018</a:t>
+              <a:t>2/8/2018</a:t>
             </a:fld>
             <a:endParaRPr lang="en-US"/>
           </a:p>
@@ -1022,7 +1022,7 @@
           <a:p>
             <a:fld id="{553A844F-FF5C-934C-B225-48B8FD889570}" type="datetimeFigureOut">
               <a:rPr lang="en-US" smtClean="0"/>
-              <a:t>1/17/2018</a:t>
+              <a:t>2/8/2018</a:t>
             </a:fld>
             <a:endParaRPr lang="en-US"/>
           </a:p>
@@ -1254,7 +1254,7 @@
           <a:p>
             <a:fld id="{553A844F-FF5C-934C-B225-48B8FD889570}" type="datetimeFigureOut">
               <a:rPr lang="en-US" smtClean="0"/>
-              <a:t>1/17/2018</a:t>
+              <a:t>2/8/2018</a:t>
             </a:fld>
             <a:endParaRPr lang="en-US"/>
           </a:p>
@@ -1621,7 +1621,7 @@
           <a:p>
             <a:fld id="{553A844F-FF5C-934C-B225-48B8FD889570}" type="datetimeFigureOut">
               <a:rPr lang="en-US" smtClean="0"/>
-              <a:t>1/17/2018</a:t>
+              <a:t>2/8/2018</a:t>
             </a:fld>
             <a:endParaRPr lang="en-US"/>
           </a:p>
@@ -1739,7 +1739,7 @@
           <a:p>
             <a:fld id="{553A844F-FF5C-934C-B225-48B8FD889570}" type="datetimeFigureOut">
               <a:rPr lang="en-US" smtClean="0"/>
-              <a:t>1/17/2018</a:t>
+              <a:t>2/8/2018</a:t>
             </a:fld>
             <a:endParaRPr lang="en-US"/>
           </a:p>
@@ -1834,7 +1834,7 @@
           <a:p>
             <a:fld id="{553A844F-FF5C-934C-B225-48B8FD889570}" type="datetimeFigureOut">
               <a:rPr lang="en-US" smtClean="0"/>
-              <a:t>1/17/2018</a:t>
+              <a:t>2/8/2018</a:t>
             </a:fld>
             <a:endParaRPr lang="en-US"/>
           </a:p>
@@ -2111,7 +2111,7 @@
           <a:p>
             <a:fld id="{553A844F-FF5C-934C-B225-48B8FD889570}" type="datetimeFigureOut">
               <a:rPr lang="en-US" smtClean="0"/>
-              <a:t>1/17/2018</a:t>
+              <a:t>2/8/2018</a:t>
             </a:fld>
             <a:endParaRPr lang="en-US"/>
           </a:p>
@@ -2364,7 +2364,7 @@
           <a:p>
             <a:fld id="{553A844F-FF5C-934C-B225-48B8FD889570}" type="datetimeFigureOut">
               <a:rPr lang="en-US" smtClean="0"/>
-              <a:t>1/17/2018</a:t>
+              <a:t>2/8/2018</a:t>
             </a:fld>
             <a:endParaRPr lang="en-US"/>
           </a:p>
@@ -2577,7 +2577,7 @@
           <a:p>
             <a:fld id="{553A844F-FF5C-934C-B225-48B8FD889570}" type="datetimeFigureOut">
               <a:rPr lang="en-US" smtClean="0"/>
-              <a:t>1/17/2018</a:t>
+              <a:t>2/8/2018</a:t>
             </a:fld>
             <a:endParaRPr lang="en-US"/>
           </a:p>
@@ -3110,7 +3110,7 @@
           <p:nvPr>
             <p:extLst>
               <p:ext uri="{D42A27DB-BD31-4B8C-83A1-F6EECF244321}">
-                <p14:modId xmlns:p14="http://schemas.microsoft.com/office/powerpoint/2010/main" val="4046254499"/>
+                <p14:modId xmlns:p14="http://schemas.microsoft.com/office/powerpoint/2010/main" val="1589679318"/>
               </p:ext>
             </p:extLst>
           </p:nvPr>
@@ -3319,13 +3319,13 @@
                     <a:p>
                       <a:r>
                         <a:rPr lang="en-US" dirty="0" smtClean="0"/>
-                        <a:t>FRR: 0.11159</a:t>
-                      </a:r>
-                    </a:p>
-                    <a:p>
-                      <a:r>
-                        <a:rPr lang="en-US" dirty="0" smtClean="0"/>
-                        <a:t>FAR: 0.02381</a:t>
+                        <a:t>FRR: 0.10300</a:t>
+                      </a:r>
+                    </a:p>
+                    <a:p>
+                      <a:r>
+                        <a:rPr lang="en-US" dirty="0" smtClean="0"/>
+                        <a:t>FAR: 0.01037</a:t>
                       </a:r>
                       <a:endParaRPr lang="en-US" dirty="0" smtClean="0"/>
                     </a:p>
@@ -3339,13 +3339,13 @@
                     <a:p>
                       <a:r>
                         <a:rPr lang="en-US" dirty="0" smtClean="0"/>
-                        <a:t>FRR: 0.13580</a:t>
-                      </a:r>
-                    </a:p>
-                    <a:p>
-                      <a:r>
-                        <a:rPr lang="en-US" dirty="0" smtClean="0"/>
-                        <a:t>FAR: 0.06450</a:t>
+                        <a:t>FRR: 0.12346</a:t>
+                      </a:r>
+                    </a:p>
+                    <a:p>
+                      <a:r>
+                        <a:rPr lang="en-US" dirty="0" smtClean="0"/>
+                        <a:t>FAR: 0.06869</a:t>
                       </a:r>
                       <a:endParaRPr lang="en-US" dirty="0" smtClean="0"/>
                     </a:p>
@@ -3365,7 +3365,7 @@
                     <a:p>
                       <a:r>
                         <a:rPr lang="en-US" dirty="0" smtClean="0"/>
-                        <a:t>FAR: 0.11828</a:t>
+                        <a:t>FAR: 0.12582</a:t>
                       </a:r>
                       <a:endParaRPr lang="en-US" dirty="0" smtClean="0"/>
                     </a:p>
@@ -3379,33 +3379,33 @@
                     <a:p>
                       <a:r>
                         <a:rPr lang="en-US" dirty="0" smtClean="0"/>
-                        <a:t>FRR: 0.06897</a:t>
-                      </a:r>
-                    </a:p>
-                    <a:p>
-                      <a:r>
-                        <a:rPr lang="en-US" dirty="0" smtClean="0"/>
-                        <a:t>FAR: 0.03214</a:t>
-                      </a:r>
-                      <a:endParaRPr lang="en-US" dirty="0"/>
-                    </a:p>
-                  </a:txBody>
-                  <a:tcPr/>
-                </a:tc>
-                <a:tc>
-                  <a:txBody>
-                    <a:bodyPr/>
-                    <a:lstStyle/>
-                    <a:p>
-                      <a:r>
-                        <a:rPr lang="en-US" dirty="0" smtClean="0"/>
-                        <a:t>FRR: 0.14348</a:t>
-                      </a:r>
-                    </a:p>
-                    <a:p>
-                      <a:r>
-                        <a:rPr lang="en-US" dirty="0" smtClean="0"/>
-                        <a:t>FAR: 0.05483</a:t>
+                        <a:t>FRR: 0.17241</a:t>
+                      </a:r>
+                    </a:p>
+                    <a:p>
+                      <a:r>
+                        <a:rPr lang="en-US" dirty="0" smtClean="0"/>
+                        <a:t>FAR: 0.08571</a:t>
+                      </a:r>
+                      <a:endParaRPr lang="en-US" dirty="0" smtClean="0"/>
+                    </a:p>
+                  </a:txBody>
+                  <a:tcPr/>
+                </a:tc>
+                <a:tc>
+                  <a:txBody>
+                    <a:bodyPr/>
+                    <a:lstStyle/>
+                    <a:p>
+                      <a:r>
+                        <a:rPr lang="en-US" dirty="0" smtClean="0"/>
+                        <a:t>FRR: 0.10000</a:t>
+                      </a:r>
+                    </a:p>
+                    <a:p>
+                      <a:r>
+                        <a:rPr lang="en-US" dirty="0" smtClean="0"/>
+                        <a:t>FAR: 0.02031</a:t>
                       </a:r>
                       <a:endParaRPr lang="en-US" dirty="0" smtClean="0"/>
                     </a:p>
@@ -3444,13 +3444,13 @@
                     <a:p>
                       <a:r>
                         <a:rPr lang="en-US" dirty="0" smtClean="0"/>
-                        <a:t>FRR: 0.08974</a:t>
-                      </a:r>
-                    </a:p>
-                    <a:p>
-                      <a:r>
-                        <a:rPr lang="en-US" dirty="0" smtClean="0"/>
-                        <a:t>FAR: 0.11145</a:t>
+                        <a:t>FRR: 0.10256</a:t>
+                      </a:r>
+                    </a:p>
+                    <a:p>
+                      <a:r>
+                        <a:rPr lang="en-US" dirty="0" smtClean="0"/>
+                        <a:t>FAR: 0.13085</a:t>
                       </a:r>
                       <a:endParaRPr lang="en-US" dirty="0" smtClean="0"/>
                     </a:p>
@@ -3464,13 +3464,13 @@
                     <a:p>
                       <a:r>
                         <a:rPr lang="en-US" dirty="0" smtClean="0"/>
-                        <a:t>FRR: 0.08451</a:t>
-                      </a:r>
-                    </a:p>
-                    <a:p>
-                      <a:r>
-                        <a:rPr lang="en-US" dirty="0" smtClean="0"/>
-                        <a:t>FAR: 0.08905</a:t>
+                        <a:t>FRR: 0.07042</a:t>
+                      </a:r>
+                    </a:p>
+                    <a:p>
+                      <a:r>
+                        <a:rPr lang="en-US" dirty="0" smtClean="0"/>
+                        <a:t>FAR: 0.06244</a:t>
                       </a:r>
                       <a:endParaRPr lang="en-US" dirty="0" smtClean="0"/>
                     </a:p>
@@ -3484,13 +3484,13 @@
                     <a:p>
                       <a:r>
                         <a:rPr lang="en-US" dirty="0" smtClean="0"/>
-                        <a:t>FRR: 0.14286</a:t>
-                      </a:r>
-                    </a:p>
-                    <a:p>
-                      <a:r>
-                        <a:rPr lang="en-US" dirty="0" smtClean="0"/>
-                        <a:t>FAR: 0.12545</a:t>
+                        <a:t>FRR: 0.12245</a:t>
+                      </a:r>
+                    </a:p>
+                    <a:p>
+                      <a:r>
+                        <a:rPr lang="en-US" dirty="0" smtClean="0"/>
+                        <a:t>FAR: 0.02663</a:t>
                       </a:r>
                       <a:endParaRPr lang="en-US" dirty="0" smtClean="0"/>
                     </a:p>
@@ -3504,13 +3504,13 @@
                     <a:p>
                       <a:r>
                         <a:rPr lang="en-US" dirty="0" smtClean="0"/>
-                        <a:t>FRR: 0.15306</a:t>
-                      </a:r>
-                    </a:p>
-                    <a:p>
-                      <a:r>
-                        <a:rPr lang="en-US" dirty="0" smtClean="0"/>
-                        <a:t>FAR: 0.06270</a:t>
+                        <a:t>FRR: 0.10204</a:t>
+                      </a:r>
+                    </a:p>
+                    <a:p>
+                      <a:r>
+                        <a:rPr lang="en-US" dirty="0" smtClean="0"/>
+                        <a:t>FAR: 0.22746</a:t>
                       </a:r>
                       <a:endParaRPr lang="en-US" dirty="0" smtClean="0"/>
                     </a:p>
@@ -3524,13 +3524,13 @@
                     <a:p>
                       <a:r>
                         <a:rPr lang="en-US" dirty="0" smtClean="0"/>
-                        <a:t>FRR: 0.13445</a:t>
-                      </a:r>
-                    </a:p>
-                    <a:p>
-                      <a:r>
-                        <a:rPr lang="en-US" dirty="0" smtClean="0"/>
-                        <a:t>FAR: 0.05640</a:t>
+                        <a:t>FRR: 0.10924</a:t>
+                      </a:r>
+                    </a:p>
+                    <a:p>
+                      <a:r>
+                        <a:rPr lang="en-US" dirty="0" smtClean="0"/>
+                        <a:t>FAR: 0.06611</a:t>
                       </a:r>
                       <a:endParaRPr lang="en-US" dirty="0" smtClean="0"/>
                     </a:p>
@@ -3569,13 +3569,13 @@
                     <a:p>
                       <a:r>
                         <a:rPr lang="en-US" dirty="0" smtClean="0"/>
-                        <a:t>FRR: 0.10288</a:t>
-                      </a:r>
-                    </a:p>
-                    <a:p>
-                      <a:r>
-                        <a:rPr lang="en-US" dirty="0" smtClean="0"/>
-                        <a:t>FAR: 0.03259</a:t>
+                        <a:t>FRR: 0.12757</a:t>
+                      </a:r>
+                    </a:p>
+                    <a:p>
+                      <a:r>
+                        <a:rPr lang="en-US" dirty="0" smtClean="0"/>
+                        <a:t>FAR: 0.08731</a:t>
                       </a:r>
                       <a:endParaRPr lang="en-US" dirty="0" smtClean="0"/>
                     </a:p>
@@ -3589,33 +3589,13 @@
                     <a:p>
                       <a:r>
                         <a:rPr lang="en-US" dirty="0" smtClean="0"/>
-                        <a:t>FRR: 0.07229</a:t>
-                      </a:r>
-                    </a:p>
-                    <a:p>
-                      <a:r>
-                        <a:rPr lang="en-US" dirty="0" smtClean="0"/>
-                        <a:t>FAR: 0.09863</a:t>
-                      </a:r>
-                      <a:endParaRPr lang="en-US" dirty="0"/>
-                    </a:p>
-                  </a:txBody>
-                  <a:tcPr/>
-                </a:tc>
-                <a:tc>
-                  <a:txBody>
-                    <a:bodyPr/>
-                    <a:lstStyle/>
-                    <a:p>
-                      <a:r>
-                        <a:rPr lang="en-US" dirty="0" smtClean="0"/>
-                        <a:t>FRR: 0.22078</a:t>
-                      </a:r>
-                    </a:p>
-                    <a:p>
-                      <a:r>
-                        <a:rPr lang="en-US" dirty="0" smtClean="0"/>
-                        <a:t>FAR: 0.05051</a:t>
+                        <a:t>FRR: 0.10843</a:t>
+                      </a:r>
+                    </a:p>
+                    <a:p>
+                      <a:r>
+                        <a:rPr lang="en-US" dirty="0" smtClean="0"/>
+                        <a:t>FAR: 0.04483</a:t>
                       </a:r>
                       <a:endParaRPr lang="en-US" dirty="0" smtClean="0"/>
                     </a:p>
@@ -3629,13 +3609,13 @@
                     <a:p>
                       <a:r>
                         <a:rPr lang="en-US" dirty="0" smtClean="0"/>
-                        <a:t>FRR: 0.15116</a:t>
-                      </a:r>
-                    </a:p>
-                    <a:p>
-                      <a:r>
-                        <a:rPr lang="en-US" dirty="0" smtClean="0"/>
-                        <a:t>FAR: 0.01113</a:t>
+                        <a:t>FRR: 0.06494</a:t>
+                      </a:r>
+                    </a:p>
+                    <a:p>
+                      <a:r>
+                        <a:rPr lang="en-US" dirty="0" smtClean="0"/>
+                        <a:t>FAR: 0.11510</a:t>
                       </a:r>
                       <a:endParaRPr lang="en-US" dirty="0" smtClean="0"/>
                     </a:p>
@@ -3649,13 +3629,33 @@
                     <a:p>
                       <a:r>
                         <a:rPr lang="en-US" dirty="0" smtClean="0"/>
-                        <a:t>FRR: 0.10879</a:t>
-                      </a:r>
-                    </a:p>
-                    <a:p>
-                      <a:r>
-                        <a:rPr lang="en-US" dirty="0" smtClean="0"/>
-                        <a:t>FAR: 0.02915</a:t>
+                        <a:t>FRR: 0.16279</a:t>
+                      </a:r>
+                    </a:p>
+                    <a:p>
+                      <a:r>
+                        <a:rPr lang="en-US" dirty="0" smtClean="0"/>
+                        <a:t>FAR: 0.03874</a:t>
+                      </a:r>
+                      <a:endParaRPr lang="en-US" dirty="0" smtClean="0"/>
+                    </a:p>
+                  </a:txBody>
+                  <a:tcPr/>
+                </a:tc>
+                <a:tc>
+                  <a:txBody>
+                    <a:bodyPr/>
+                    <a:lstStyle/>
+                    <a:p>
+                      <a:r>
+                        <a:rPr lang="en-US" dirty="0" smtClean="0"/>
+                        <a:t>FRR: 0.10460</a:t>
+                      </a:r>
+                    </a:p>
+                    <a:p>
+                      <a:r>
+                        <a:rPr lang="en-US" dirty="0" smtClean="0"/>
+                        <a:t>FAR: 0.03512</a:t>
                       </a:r>
                       <a:endParaRPr lang="en-US" dirty="0"/>
                     </a:p>
@@ -3694,13 +3694,13 @@
                     <a:p>
                       <a:r>
                         <a:rPr lang="en-US" dirty="0" smtClean="0"/>
-                        <a:t>FRR: 0.14286</a:t>
-                      </a:r>
-                    </a:p>
-                    <a:p>
-                      <a:r>
-                        <a:rPr lang="en-US" dirty="0" smtClean="0"/>
-                        <a:t>FAR: 0.09980</a:t>
+                        <a:t>FRR: 0.13853</a:t>
+                      </a:r>
+                    </a:p>
+                    <a:p>
+                      <a:r>
+                        <a:rPr lang="en-US" dirty="0" smtClean="0"/>
+                        <a:t>FAR: 0.02495</a:t>
                       </a:r>
                       <a:endParaRPr lang="en-US" dirty="0" smtClean="0"/>
                     </a:p>
@@ -3714,13 +3714,13 @@
                     <a:p>
                       <a:r>
                         <a:rPr lang="en-US" dirty="0" smtClean="0"/>
-                        <a:t>FRR: 0.07246</a:t>
-                      </a:r>
-                    </a:p>
-                    <a:p>
-                      <a:r>
-                        <a:rPr lang="en-US" dirty="0" smtClean="0"/>
-                        <a:t>FAR: 0.07579</a:t>
+                        <a:t>FRR: 0.10145</a:t>
+                      </a:r>
+                    </a:p>
+                    <a:p>
+                      <a:r>
+                        <a:rPr lang="en-US" dirty="0" smtClean="0"/>
+                        <a:t>FAR: 0.02035</a:t>
                       </a:r>
                       <a:endParaRPr lang="en-US" dirty="0" smtClean="0"/>
                     </a:p>
@@ -3734,13 +3734,13 @@
                     <a:p>
                       <a:r>
                         <a:rPr lang="en-US" dirty="0" smtClean="0"/>
-                        <a:t>FRR: 0.09412</a:t>
-                      </a:r>
-                    </a:p>
-                    <a:p>
-                      <a:r>
-                        <a:rPr lang="en-US" dirty="0" smtClean="0"/>
-                        <a:t>FAR: 0.11342</a:t>
+                        <a:t>FRR: 0.03529</a:t>
+                      </a:r>
+                    </a:p>
+                    <a:p>
+                      <a:r>
+                        <a:rPr lang="en-US" dirty="0" smtClean="0"/>
+                        <a:t>FAR: 0.01139</a:t>
                       </a:r>
                       <a:endParaRPr lang="en-US" dirty="0" smtClean="0"/>
                     </a:p>
@@ -3760,7 +3760,7 @@
                     <a:p>
                       <a:r>
                         <a:rPr lang="en-US" dirty="0" smtClean="0"/>
-                        <a:t>FAR: 0.02915</a:t>
+                        <a:t>FAR: 0.05964</a:t>
                       </a:r>
                       <a:endParaRPr lang="en-US" dirty="0" smtClean="0"/>
                     </a:p>
@@ -3774,13 +3774,13 @@
                     <a:p>
                       <a:r>
                         <a:rPr lang="en-US" dirty="0" smtClean="0"/>
-                        <a:t>FRR: 0.08898</a:t>
-                      </a:r>
-                    </a:p>
-                    <a:p>
-                      <a:r>
-                        <a:rPr lang="en-US" dirty="0" smtClean="0"/>
-                        <a:t>FAR: 0.09187</a:t>
+                        <a:t>FRR: 0.05932</a:t>
+                      </a:r>
+                    </a:p>
+                    <a:p>
+                      <a:r>
+                        <a:rPr lang="en-US" dirty="0" smtClean="0"/>
+                        <a:t>FAR: 0.00936</a:t>
                       </a:r>
                       <a:endParaRPr lang="en-US" dirty="0" smtClean="0"/>
                     </a:p>
@@ -3819,13 +3819,13 @@
                     <a:p>
                       <a:r>
                         <a:rPr lang="en-US" dirty="0" smtClean="0"/>
-                        <a:t>FRR: 0.12670</a:t>
-                      </a:r>
-                    </a:p>
-                    <a:p>
-                      <a:r>
-                        <a:rPr lang="en-US" dirty="0" smtClean="0"/>
-                        <a:t>FAR: 0.14355</a:t>
+                        <a:t>FRR: 0.07692</a:t>
+                      </a:r>
+                    </a:p>
+                    <a:p>
+                      <a:r>
+                        <a:rPr lang="en-US" dirty="0" smtClean="0"/>
+                        <a:t>FAR: 0.01481</a:t>
                       </a:r>
                       <a:endParaRPr lang="en-US" dirty="0"/>
                     </a:p>
@@ -3845,27 +3845,7 @@
                     <a:p>
                       <a:r>
                         <a:rPr lang="en-US" dirty="0" smtClean="0"/>
-                        <a:t>FAR: 0.13657</a:t>
-                      </a:r>
-                      <a:endParaRPr lang="en-US" dirty="0"/>
-                    </a:p>
-                  </a:txBody>
-                  <a:tcPr/>
-                </a:tc>
-                <a:tc>
-                  <a:txBody>
-                    <a:bodyPr/>
-                    <a:lstStyle/>
-                    <a:p>
-                      <a:r>
-                        <a:rPr lang="en-US" dirty="0" smtClean="0"/>
-                        <a:t>FRR: 0.12121</a:t>
-                      </a:r>
-                    </a:p>
-                    <a:p>
-                      <a:r>
-                        <a:rPr lang="en-US" dirty="0" smtClean="0"/>
-                        <a:t>FAR: 0.03124</a:t>
+                        <a:t>FAR: 0.00961</a:t>
                       </a:r>
                       <a:endParaRPr lang="en-US" dirty="0" smtClean="0"/>
                     </a:p>
@@ -3879,13 +3859,13 @@
                     <a:p>
                       <a:r>
                         <a:rPr lang="en-US" dirty="0" smtClean="0"/>
-                        <a:t>FRR: 0.09722</a:t>
-                      </a:r>
-                    </a:p>
-                    <a:p>
-                      <a:r>
-                        <a:rPr lang="en-US" dirty="0" smtClean="0"/>
-                        <a:t>FAR: 0.03627</a:t>
+                        <a:t>FRR: 0.22727</a:t>
+                      </a:r>
+                    </a:p>
+                    <a:p>
+                      <a:r>
+                        <a:rPr lang="en-US" dirty="0" smtClean="0"/>
+                        <a:t>FAR: 0.04875</a:t>
                       </a:r>
                       <a:endParaRPr lang="en-US" dirty="0" smtClean="0"/>
                     </a:p>
@@ -3899,13 +3879,33 @@
                     <a:p>
                       <a:r>
                         <a:rPr lang="en-US" dirty="0" smtClean="0"/>
-                        <a:t>FRR: 0.06726</a:t>
-                      </a:r>
-                    </a:p>
-                    <a:p>
-                      <a:r>
-                        <a:rPr lang="en-US" dirty="0" smtClean="0"/>
-                        <a:t>FAR: 0.02322</a:t>
+                        <a:t>FRR: 0.13889</a:t>
+                      </a:r>
+                    </a:p>
+                    <a:p>
+                      <a:r>
+                        <a:rPr lang="en-US" dirty="0" smtClean="0"/>
+                        <a:t>FAR: 0.00691</a:t>
+                      </a:r>
+                      <a:endParaRPr lang="en-US" dirty="0" smtClean="0"/>
+                    </a:p>
+                  </a:txBody>
+                  <a:tcPr/>
+                </a:tc>
+                <a:tc>
+                  <a:txBody>
+                    <a:bodyPr/>
+                    <a:lstStyle/>
+                    <a:p>
+                      <a:r>
+                        <a:rPr lang="en-US" dirty="0" smtClean="0"/>
+                        <a:t>FRR: 0.08072</a:t>
+                      </a:r>
+                    </a:p>
+                    <a:p>
+                      <a:r>
+                        <a:rPr lang="en-US" dirty="0" smtClean="0"/>
+                        <a:t>FAR: 0.03214</a:t>
                       </a:r>
                       <a:endParaRPr lang="en-US" dirty="0" smtClean="0"/>
                     </a:p>
@@ -3958,13 +3958,13 @@
                     <a:p>
                       <a:r>
                         <a:rPr lang="en-US" dirty="0" smtClean="0"/>
-                        <a:t>FRR: 0.08032</a:t>
-                      </a:r>
-                    </a:p>
-                    <a:p>
-                      <a:r>
-                        <a:rPr lang="en-US" dirty="0" smtClean="0"/>
-                        <a:t>FAR: 0.06893</a:t>
+                        <a:t>FRR: 0.09237</a:t>
+                      </a:r>
+                    </a:p>
+                    <a:p>
+                      <a:r>
+                        <a:rPr lang="en-US" dirty="0" smtClean="0"/>
+                        <a:t>FAR: 0.04670</a:t>
                       </a:r>
                       <a:endParaRPr lang="en-US" dirty="0" smtClean="0"/>
                     </a:p>
@@ -3978,13 +3978,13 @@
                     <a:p>
                       <a:r>
                         <a:rPr lang="en-US" dirty="0" smtClean="0"/>
-                        <a:t>FRR: 0.17021</a:t>
-                      </a:r>
-                    </a:p>
-                    <a:p>
-                      <a:r>
-                        <a:rPr lang="en-US" dirty="0" smtClean="0"/>
-                        <a:t>FAR: 0.15924</a:t>
+                        <a:t>FRR: 0.11702</a:t>
+                      </a:r>
+                    </a:p>
+                    <a:p>
+                      <a:r>
+                        <a:rPr lang="en-US" dirty="0" smtClean="0"/>
+                        <a:t>FAR: 0.13207</a:t>
                       </a:r>
                       <a:endParaRPr lang="en-US" dirty="0"/>
                     </a:p>
@@ -3998,13 +3998,13 @@
                     <a:p>
                       <a:r>
                         <a:rPr lang="en-US" dirty="0" smtClean="0"/>
-                        <a:t>FRR: 0.10891</a:t>
-                      </a:r>
-                    </a:p>
-                    <a:p>
-                      <a:r>
-                        <a:rPr lang="en-US" dirty="0" smtClean="0"/>
-                        <a:t>FAR: 0.10676</a:t>
+                        <a:t>FRR: 0.06931</a:t>
+                      </a:r>
+                    </a:p>
+                    <a:p>
+                      <a:r>
+                        <a:rPr lang="en-US" dirty="0" smtClean="0"/>
+                        <a:t>FAR: 0.00258</a:t>
                       </a:r>
                       <a:endParaRPr lang="en-US" dirty="0" smtClean="0"/>
                     </a:p>
@@ -4018,32 +4018,33 @@
                     <a:p>
                       <a:r>
                         <a:rPr lang="en-US" dirty="0" smtClean="0"/>
-                        <a:t>FRR: 0.16190</a:t>
-                      </a:r>
-                    </a:p>
-                    <a:p>
-                      <a:r>
-                        <a:rPr lang="en-US" dirty="0" smtClean="0"/>
-                        <a:t>FAR: 0.16210</a:t>
-                      </a:r>
-                    </a:p>
-                  </a:txBody>
-                  <a:tcPr/>
-                </a:tc>
-                <a:tc>
-                  <a:txBody>
-                    <a:bodyPr/>
-                    <a:lstStyle/>
-                    <a:p>
-                      <a:r>
-                        <a:rPr lang="en-US" dirty="0" smtClean="0"/>
-                        <a:t>FRR: 0.10526</a:t>
-                      </a:r>
-                    </a:p>
-                    <a:p>
-                      <a:r>
-                        <a:rPr lang="en-US" dirty="0" smtClean="0"/>
-                        <a:t>FAR: 0.04326</a:t>
+                        <a:t>FRR: 0.14286</a:t>
+                      </a:r>
+                    </a:p>
+                    <a:p>
+                      <a:r>
+                        <a:rPr lang="en-US" dirty="0" smtClean="0"/>
+                        <a:t>FAR: 0.05016</a:t>
+                      </a:r>
+                      <a:endParaRPr lang="en-US" dirty="0" smtClean="0"/>
+                    </a:p>
+                  </a:txBody>
+                  <a:tcPr/>
+                </a:tc>
+                <a:tc>
+                  <a:txBody>
+                    <a:bodyPr/>
+                    <a:lstStyle/>
+                    <a:p>
+                      <a:r>
+                        <a:rPr lang="en-US" dirty="0" smtClean="0"/>
+                        <a:t>FRR: 0.12551</a:t>
+                      </a:r>
+                    </a:p>
+                    <a:p>
+                      <a:r>
+                        <a:rPr lang="en-US" dirty="0" smtClean="0"/>
+                        <a:t>FAR: 0.19708</a:t>
                       </a:r>
                       <a:endParaRPr lang="en-US" dirty="0" smtClean="0"/>
                     </a:p>
@@ -4088,13 +4089,13 @@
                     <a:p>
                       <a:r>
                         <a:rPr lang="en-US" dirty="0" smtClean="0"/>
-                        <a:t>FRR: 0.10901</a:t>
-                      </a:r>
-                    </a:p>
-                    <a:p>
-                      <a:r>
-                        <a:rPr lang="en-US" dirty="0" smtClean="0"/>
-                        <a:t>FAR: 0.08002</a:t>
+                        <a:t>FRR: 0.10683</a:t>
+                      </a:r>
+                    </a:p>
+                    <a:p>
+                      <a:r>
+                        <a:rPr lang="en-US" dirty="0" smtClean="0"/>
+                        <a:t>FAR: 0.05250</a:t>
                       </a:r>
                       <a:endParaRPr lang="en-US" dirty="0" smtClean="0"/>
                     </a:p>
@@ -4108,13 +4109,13 @@
                     <a:p>
                       <a:r>
                         <a:rPr lang="en-US" dirty="0" smtClean="0"/>
-                        <a:t>FRR: 0.10414</a:t>
-                      </a:r>
-                    </a:p>
-                    <a:p>
-                      <a:r>
-                        <a:rPr lang="en-US" dirty="0" smtClean="0"/>
-                        <a:t>FAR: 0.10396</a:t>
+                        <a:t>FRR: 0.10172</a:t>
+                      </a:r>
+                    </a:p>
+                    <a:p>
+                      <a:r>
+                        <a:rPr lang="en-US" dirty="0" smtClean="0"/>
+                        <a:t>FAR: 0.05633</a:t>
                       </a:r>
                       <a:endParaRPr lang="en-US" dirty="0" smtClean="0"/>
                     </a:p>
@@ -4128,13 +4129,13 @@
                     <a:p>
                       <a:r>
                         <a:rPr lang="en-US" dirty="0" smtClean="0"/>
-                        <a:t>FRR: 0.13027</a:t>
-                      </a:r>
-                    </a:p>
-                    <a:p>
-                      <a:r>
-                        <a:rPr lang="en-US" dirty="0" smtClean="0"/>
-                        <a:t>FAR: 0.09094</a:t>
+                        <a:t>FRR: 0.10217</a:t>
+                      </a:r>
+                    </a:p>
+                    <a:p>
+                      <a:r>
+                        <a:rPr lang="en-US" dirty="0" smtClean="0"/>
+                        <a:t>FAR: 0.05505</a:t>
                       </a:r>
                       <a:endParaRPr lang="en-US" dirty="0" smtClean="0"/>
                     </a:p>
@@ -4148,13 +4149,13 @@
                     <a:p>
                       <a:r>
                         <a:rPr lang="en-US" dirty="0" smtClean="0"/>
-                        <a:t>FRR: 0.12599</a:t>
-                      </a:r>
-                    </a:p>
-                    <a:p>
-                      <a:r>
-                        <a:rPr lang="en-US" dirty="0" smtClean="0"/>
-                        <a:t>FAR: 0.05558</a:t>
+                        <a:t>FRR: 0.14043</a:t>
+                      </a:r>
+                    </a:p>
+                    <a:p>
+                      <a:r>
+                        <a:rPr lang="en-US" dirty="0" smtClean="0"/>
+                        <a:t>FAR: 0.07810</a:t>
                       </a:r>
                       <a:endParaRPr lang="en-US" dirty="0"/>
                     </a:p>
@@ -4168,13 +4169,13 @@
                     <a:p>
                       <a:r>
                         <a:rPr lang="en-US" dirty="0" smtClean="0"/>
-                        <a:t>FRR: 0.10804</a:t>
-                      </a:r>
-                    </a:p>
-                    <a:p>
-                      <a:r>
-                        <a:rPr lang="en-US" dirty="0" smtClean="0"/>
-                        <a:t>FAR: 0.04979</a:t>
+                        <a:t>FRR: 0.09657</a:t>
+                      </a:r>
+                    </a:p>
+                    <a:p>
+                      <a:r>
+                        <a:rPr lang="en-US" dirty="0" smtClean="0"/>
+                        <a:t>FAR: 0.06002</a:t>
                       </a:r>
                       <a:endParaRPr lang="en-US" dirty="0"/>
                     </a:p>
@@ -4349,7 +4350,7 @@
           <p:nvPr>
             <p:extLst>
               <p:ext uri="{D42A27DB-BD31-4B8C-83A1-F6EECF244321}">
-                <p14:modId xmlns:p14="http://schemas.microsoft.com/office/powerpoint/2010/main" val="3228249098"/>
+                <p14:modId xmlns:p14="http://schemas.microsoft.com/office/powerpoint/2010/main" val="2571273358"/>
               </p:ext>
             </p:extLst>
           </p:nvPr>
@@ -4558,13 +4559,13 @@
                     <a:p>
                       <a:r>
                         <a:rPr lang="en-US" dirty="0" smtClean="0"/>
-                        <a:t>FRR: 0.10730</a:t>
-                      </a:r>
-                    </a:p>
-                    <a:p>
-                      <a:r>
-                        <a:rPr lang="en-US" dirty="0" smtClean="0"/>
-                        <a:t>FAR: 0.05594</a:t>
+                        <a:t>FRR: 0.15880</a:t>
+                      </a:r>
+                    </a:p>
+                    <a:p>
+                      <a:r>
+                        <a:rPr lang="en-US" dirty="0" smtClean="0"/>
+                        <a:t>FAR: 0.07720</a:t>
                       </a:r>
                       <a:endParaRPr lang="en-US" dirty="0" smtClean="0"/>
                     </a:p>
@@ -4578,14 +4579,15 @@
                     <a:p>
                       <a:r>
                         <a:rPr lang="en-US" dirty="0" smtClean="0"/>
-                        <a:t>FRR: 0.18519</a:t>
-                      </a:r>
-                    </a:p>
-                    <a:p>
-                      <a:r>
-                        <a:rPr lang="en-US" dirty="0" smtClean="0"/>
-                        <a:t>FAR: 0.07027</a:t>
-                      </a:r>
+                        <a:t>FRR: 0.09877</a:t>
+                      </a:r>
+                    </a:p>
+                    <a:p>
+                      <a:r>
+                        <a:rPr lang="en-US" dirty="0" smtClean="0"/>
+                        <a:t>FAR: 0.01940</a:t>
+                      </a:r>
+                      <a:endParaRPr lang="en-US" dirty="0" smtClean="0"/>
                     </a:p>
                   </a:txBody>
                   <a:tcPr/>
@@ -4603,7 +4605,7 @@
                     <a:p>
                       <a:r>
                         <a:rPr lang="en-US" dirty="0" smtClean="0"/>
-                        <a:t>FAR: 0.02168</a:t>
+                        <a:t>FAR: 0.05042</a:t>
                       </a:r>
                       <a:endParaRPr lang="en-US" dirty="0" smtClean="0"/>
                     </a:p>
@@ -4617,13 +4619,13 @@
                     <a:p>
                       <a:r>
                         <a:rPr lang="en-US" dirty="0" smtClean="0"/>
-                        <a:t>FRR: 0.21839</a:t>
-                      </a:r>
-                    </a:p>
-                    <a:p>
-                      <a:r>
-                        <a:rPr lang="en-US" dirty="0" smtClean="0"/>
-                        <a:t>FAR: 0.18795</a:t>
+                        <a:t>FRR: 0.11494</a:t>
+                      </a:r>
+                    </a:p>
+                    <a:p>
+                      <a:r>
+                        <a:rPr lang="en-US" dirty="0" smtClean="0"/>
+                        <a:t>FAR: 0.09375</a:t>
                       </a:r>
                       <a:endParaRPr lang="en-US" dirty="0" smtClean="0"/>
                     </a:p>
@@ -4637,13 +4639,13 @@
                     <a:p>
                       <a:r>
                         <a:rPr lang="en-US" dirty="0" smtClean="0"/>
-                        <a:t>FRR: 0.08261</a:t>
-                      </a:r>
-                    </a:p>
-                    <a:p>
-                      <a:r>
-                        <a:rPr lang="en-US" dirty="0" smtClean="0"/>
-                        <a:t>FAR: 0.12236</a:t>
+                        <a:t>FRR: 0.11304</a:t>
+                      </a:r>
+                    </a:p>
+                    <a:p>
+                      <a:r>
+                        <a:rPr lang="en-US" dirty="0" smtClean="0"/>
+                        <a:t>FAR: 0.00152</a:t>
                       </a:r>
                       <a:endParaRPr lang="en-US" dirty="0" smtClean="0"/>
                     </a:p>
@@ -4682,13 +4684,13 @@
                     <a:p>
                       <a:r>
                         <a:rPr lang="en-US" dirty="0" smtClean="0"/>
-                        <a:t>FRR: 0.12393</a:t>
-                      </a:r>
-                    </a:p>
-                    <a:p>
-                      <a:r>
-                        <a:rPr lang="en-US" dirty="0" smtClean="0"/>
-                        <a:t>FAR: 0.12847</a:t>
+                        <a:t>FRR: 0.09829</a:t>
+                      </a:r>
+                    </a:p>
+                    <a:p>
+                      <a:r>
+                        <a:rPr lang="en-US" dirty="0" smtClean="0"/>
+                        <a:t>FAR: 0.01344</a:t>
                       </a:r>
                       <a:endParaRPr lang="en-US" dirty="0" smtClean="0"/>
                     </a:p>
@@ -4708,7 +4710,7 @@
                     <a:p>
                       <a:r>
                         <a:rPr lang="en-US" dirty="0" smtClean="0"/>
-                        <a:t>FAR: 0.04401</a:t>
+                        <a:t>FAR: 0.04759</a:t>
                       </a:r>
                       <a:endParaRPr lang="en-US" dirty="0" smtClean="0"/>
                     </a:p>
@@ -4722,13 +4724,13 @@
                     <a:p>
                       <a:r>
                         <a:rPr lang="en-US" dirty="0" smtClean="0"/>
-                        <a:t>FRR: 0.15306</a:t>
-                      </a:r>
-                    </a:p>
-                    <a:p>
-                      <a:r>
-                        <a:rPr lang="en-US" dirty="0" smtClean="0"/>
-                        <a:t>FAR: 0.06298</a:t>
+                        <a:t>FRR: 0.20408</a:t>
+                      </a:r>
+                    </a:p>
+                    <a:p>
+                      <a:r>
+                        <a:rPr lang="en-US" dirty="0" smtClean="0"/>
+                        <a:t>FAR: 0.13671</a:t>
                       </a:r>
                       <a:endParaRPr lang="en-US" dirty="0" smtClean="0"/>
                     </a:p>
@@ -4742,13 +4744,13 @@
                     <a:p>
                       <a:r>
                         <a:rPr lang="en-US" dirty="0" smtClean="0"/>
-                        <a:t>FRR: 0.14286</a:t>
-                      </a:r>
-                    </a:p>
-                    <a:p>
-                      <a:r>
-                        <a:rPr lang="en-US" dirty="0" smtClean="0"/>
-                        <a:t>FAR: 0.16842</a:t>
+                        <a:t>FRR: 0.09184</a:t>
+                      </a:r>
+                    </a:p>
+                    <a:p>
+                      <a:r>
+                        <a:rPr lang="en-US" dirty="0" smtClean="0"/>
+                        <a:t>FAR: 0.09886</a:t>
                       </a:r>
                       <a:endParaRPr lang="en-US" dirty="0" smtClean="0"/>
                     </a:p>
@@ -4762,13 +4764,13 @@
                     <a:p>
                       <a:r>
                         <a:rPr lang="en-US" dirty="0" smtClean="0"/>
-                        <a:t>FRR: 0.10504</a:t>
-                      </a:r>
-                    </a:p>
-                    <a:p>
-                      <a:r>
-                        <a:rPr lang="en-US" dirty="0" smtClean="0"/>
-                        <a:t>FAR: 0.06611</a:t>
+                        <a:t>FRR: 0.13445</a:t>
+                      </a:r>
+                    </a:p>
+                    <a:p>
+                      <a:r>
+                        <a:rPr lang="en-US" dirty="0" smtClean="0"/>
+                        <a:t>FAR: 0.07173</a:t>
                       </a:r>
                       <a:endParaRPr lang="en-US" dirty="0" smtClean="0"/>
                     </a:p>
@@ -4807,13 +4809,13 @@
                     <a:p>
                       <a:r>
                         <a:rPr lang="en-US" dirty="0" smtClean="0"/>
-                        <a:t>FRR: 0.11934</a:t>
-                      </a:r>
-                    </a:p>
-                    <a:p>
-                      <a:r>
-                        <a:rPr lang="en-US" dirty="0" smtClean="0"/>
-                        <a:t>FAR: 0.10034</a:t>
+                        <a:t>FRR: 0.11111</a:t>
+                      </a:r>
+                    </a:p>
+                    <a:p>
+                      <a:r>
+                        <a:rPr lang="en-US" dirty="0" smtClean="0"/>
+                        <a:t>FAR: 0.02161</a:t>
                       </a:r>
                       <a:endParaRPr lang="en-US" dirty="0" smtClean="0"/>
                     </a:p>
@@ -4827,13 +4829,13 @@
                     <a:p>
                       <a:r>
                         <a:rPr lang="en-US" dirty="0" smtClean="0"/>
-                        <a:t>FRR: 0.16867</a:t>
-                      </a:r>
-                    </a:p>
-                    <a:p>
-                      <a:r>
-                        <a:rPr lang="en-US" dirty="0" smtClean="0"/>
-                        <a:t>FAR: 0.03586</a:t>
+                        <a:t>FRR: 0.14458</a:t>
+                      </a:r>
+                    </a:p>
+                    <a:p>
+                      <a:r>
+                        <a:rPr lang="en-US" dirty="0" smtClean="0"/>
+                        <a:t>FAR: 0.07753</a:t>
                       </a:r>
                       <a:endParaRPr lang="en-US" dirty="0" smtClean="0"/>
                     </a:p>
@@ -4847,13 +4849,13 @@
                     <a:p>
                       <a:r>
                         <a:rPr lang="en-US" dirty="0" smtClean="0"/>
-                        <a:t>FRR: 0.14286</a:t>
-                      </a:r>
-                    </a:p>
-                    <a:p>
-                      <a:r>
-                        <a:rPr lang="en-US" dirty="0" smtClean="0"/>
-                        <a:t>FAR: 0.23749</a:t>
+                        <a:t>FRR: 0.15584</a:t>
+                      </a:r>
+                    </a:p>
+                    <a:p>
+                      <a:r>
+                        <a:rPr lang="en-US" dirty="0" smtClean="0"/>
+                        <a:t>FAR: 0.08256</a:t>
                       </a:r>
                       <a:endParaRPr lang="en-US" dirty="0" smtClean="0"/>
                     </a:p>
@@ -4867,13 +4869,13 @@
                     <a:p>
                       <a:r>
                         <a:rPr lang="en-US" dirty="0" smtClean="0"/>
-                        <a:t>FRR: 0.11628</a:t>
-                      </a:r>
-                    </a:p>
-                    <a:p>
-                      <a:r>
-                        <a:rPr lang="en-US" dirty="0" smtClean="0"/>
-                        <a:t>FAR: 0.01247</a:t>
+                        <a:t>FRR: 0.15116</a:t>
+                      </a:r>
+                    </a:p>
+                    <a:p>
+                      <a:r>
+                        <a:rPr lang="en-US" dirty="0" smtClean="0"/>
+                        <a:t>FAR: 0.06456</a:t>
                       </a:r>
                       <a:endParaRPr lang="en-US" dirty="0" smtClean="0"/>
                     </a:p>
@@ -4887,13 +4889,13 @@
                     <a:p>
                       <a:r>
                         <a:rPr lang="en-US" dirty="0" smtClean="0"/>
-                        <a:t>FRR: 0.10460</a:t>
-                      </a:r>
-                    </a:p>
-                    <a:p>
-                      <a:r>
-                        <a:rPr lang="en-US" dirty="0" smtClean="0"/>
-                        <a:t>FAR: 0.08967</a:t>
+                        <a:t>FRR: 0.07531</a:t>
+                      </a:r>
+                    </a:p>
+                    <a:p>
+                      <a:r>
+                        <a:rPr lang="en-US" dirty="0" smtClean="0"/>
+                        <a:t>FAR: 0.01227</a:t>
                       </a:r>
                       <a:endParaRPr lang="en-US" dirty="0" smtClean="0"/>
                     </a:p>
@@ -4932,13 +4934,13 @@
                     <a:p>
                       <a:r>
                         <a:rPr lang="en-US" dirty="0" smtClean="0"/>
-                        <a:t>FRR: 0.12554</a:t>
-                      </a:r>
-                    </a:p>
-                    <a:p>
-                      <a:r>
-                        <a:rPr lang="en-US" dirty="0" smtClean="0"/>
-                        <a:t>FAR: 0.03021</a:t>
+                        <a:t>FRR: 0.11688</a:t>
+                      </a:r>
+                    </a:p>
+                    <a:p>
+                      <a:r>
+                        <a:rPr lang="en-US" dirty="0" smtClean="0"/>
+                        <a:t>FAR: 0.04616</a:t>
                       </a:r>
                       <a:endParaRPr lang="en-US" dirty="0" smtClean="0"/>
                     </a:p>
@@ -4952,13 +4954,13 @@
                     <a:p>
                       <a:r>
                         <a:rPr lang="en-US" dirty="0" smtClean="0"/>
-                        <a:t>FRR: 0.07246</a:t>
-                      </a:r>
-                    </a:p>
-                    <a:p>
-                      <a:r>
-                        <a:rPr lang="en-US" dirty="0" smtClean="0"/>
-                        <a:t>FAR: 0.03255</a:t>
+                        <a:t>FRR: 0.13043</a:t>
+                      </a:r>
+                    </a:p>
+                    <a:p>
+                      <a:r>
+                        <a:rPr lang="en-US" dirty="0" smtClean="0"/>
+                        <a:t>FAR: 0.00966</a:t>
                       </a:r>
                       <a:endParaRPr lang="en-US" dirty="0" smtClean="0"/>
                     </a:p>
@@ -4972,13 +4974,13 @@
                     <a:p>
                       <a:r>
                         <a:rPr lang="en-US" dirty="0" smtClean="0"/>
-                        <a:t>FRR: 0.09412</a:t>
-                      </a:r>
-                    </a:p>
-                    <a:p>
-                      <a:r>
-                        <a:rPr lang="en-US" dirty="0" smtClean="0"/>
-                        <a:t>FAR: 0.06191</a:t>
+                        <a:t>FRR: 0.12941</a:t>
+                      </a:r>
+                    </a:p>
+                    <a:p>
+                      <a:r>
+                        <a:rPr lang="en-US" dirty="0" smtClean="0"/>
+                        <a:t>FAR: 0.01337</a:t>
                       </a:r>
                       <a:endParaRPr lang="en-US" dirty="0" smtClean="0"/>
                     </a:p>
@@ -4992,13 +4994,13 @@
                     <a:p>
                       <a:r>
                         <a:rPr lang="en-US" dirty="0" smtClean="0"/>
-                        <a:t>FRR: 0.14607</a:t>
-                      </a:r>
-                    </a:p>
-                    <a:p>
-                      <a:r>
-                        <a:rPr lang="en-US" dirty="0" smtClean="0"/>
-                        <a:t>FAR: 0.05605</a:t>
+                        <a:t>FRR: 0.11236</a:t>
+                      </a:r>
+                    </a:p>
+                    <a:p>
+                      <a:r>
+                        <a:rPr lang="en-US" dirty="0" smtClean="0"/>
+                        <a:t>FAR: 0.05964</a:t>
                       </a:r>
                       <a:endParaRPr lang="en-US" dirty="0"/>
                     </a:p>
@@ -5012,13 +5014,13 @@
                     <a:p>
                       <a:r>
                         <a:rPr lang="en-US" dirty="0" smtClean="0"/>
-                        <a:t>FRR: 0.09322</a:t>
-                      </a:r>
-                    </a:p>
-                    <a:p>
-                      <a:r>
-                        <a:rPr lang="en-US" dirty="0" smtClean="0"/>
-                        <a:t>FAR: 0.03454</a:t>
+                        <a:t>FRR: 0.11441</a:t>
+                      </a:r>
+                    </a:p>
+                    <a:p>
+                      <a:r>
+                        <a:rPr lang="en-US" dirty="0" smtClean="0"/>
+                        <a:t>FAR: 0.04951</a:t>
                       </a:r>
                       <a:endParaRPr lang="en-US" dirty="0"/>
                     </a:p>
@@ -5057,13 +5059,13 @@
                     <a:p>
                       <a:r>
                         <a:rPr lang="en-US" dirty="0" smtClean="0"/>
-                        <a:t>FRR: 0.09050</a:t>
-                      </a:r>
-                    </a:p>
-                    <a:p>
-                      <a:r>
-                        <a:rPr lang="en-US" dirty="0" smtClean="0"/>
-                        <a:t>FAR: 0.03332</a:t>
+                        <a:t>FRR: 0.10860</a:t>
+                      </a:r>
+                    </a:p>
+                    <a:p>
+                      <a:r>
+                        <a:rPr lang="en-US" dirty="0" smtClean="0"/>
+                        <a:t>FAR: 0.09660</a:t>
                       </a:r>
                       <a:endParaRPr lang="en-US" dirty="0" smtClean="0"/>
                     </a:p>
@@ -5077,13 +5079,13 @@
                     <a:p>
                       <a:r>
                         <a:rPr lang="en-US" dirty="0" smtClean="0"/>
-                        <a:t>FRR: 0.07463</a:t>
-                      </a:r>
-                    </a:p>
-                    <a:p>
-                      <a:r>
-                        <a:rPr lang="en-US" dirty="0" smtClean="0"/>
-                        <a:t>FAR: 0.09206</a:t>
+                        <a:t>FRR: 0.16418</a:t>
+                      </a:r>
+                    </a:p>
+                    <a:p>
+                      <a:r>
+                        <a:rPr lang="en-US" dirty="0" smtClean="0"/>
+                        <a:t>FAR: 0.13505</a:t>
                       </a:r>
                       <a:endParaRPr lang="en-US" dirty="0" smtClean="0"/>
                     </a:p>
@@ -5097,13 +5099,13 @@
                     <a:p>
                       <a:r>
                         <a:rPr lang="en-US" dirty="0" smtClean="0"/>
-                        <a:t>FRR: 0.13636</a:t>
-                      </a:r>
-                    </a:p>
-                    <a:p>
-                      <a:r>
-                        <a:rPr lang="en-US" dirty="0" smtClean="0"/>
-                        <a:t>FAR: 0.02556</a:t>
+                        <a:t>FRR: 0.09091</a:t>
+                      </a:r>
+                    </a:p>
+                    <a:p>
+                      <a:r>
+                        <a:rPr lang="en-US" dirty="0" smtClean="0"/>
+                        <a:t>FAR: 0.07099</a:t>
                       </a:r>
                       <a:endParaRPr lang="en-US" dirty="0" smtClean="0"/>
                     </a:p>
@@ -5117,13 +5119,13 @@
                     <a:p>
                       <a:r>
                         <a:rPr lang="en-US" dirty="0" smtClean="0"/>
-                        <a:t>FRR: 0.12500</a:t>
-                      </a:r>
-                    </a:p>
-                    <a:p>
-                      <a:r>
-                        <a:rPr lang="en-US" dirty="0" smtClean="0"/>
-                        <a:t>FAR: 0.03411</a:t>
+                        <a:t>FRR: 0.08333</a:t>
+                      </a:r>
+                    </a:p>
+                    <a:p>
+                      <a:r>
+                        <a:rPr lang="en-US" dirty="0" smtClean="0"/>
+                        <a:t>FAR: 0.03584</a:t>
                       </a:r>
                       <a:endParaRPr lang="en-US" dirty="0"/>
                     </a:p>
@@ -5137,13 +5139,13 @@
                     <a:p>
                       <a:r>
                         <a:rPr lang="en-US" dirty="0" smtClean="0"/>
-                        <a:t>FRR: 0.13901</a:t>
-                      </a:r>
-                    </a:p>
-                    <a:p>
-                      <a:r>
-                        <a:rPr lang="en-US" dirty="0" smtClean="0"/>
-                        <a:t>FAR: 0.04425</a:t>
+                        <a:t>FRR: 0.07623</a:t>
+                      </a:r>
+                    </a:p>
+                    <a:p>
+                      <a:r>
+                        <a:rPr lang="en-US" dirty="0" smtClean="0"/>
+                        <a:t>FAR: 0.01127</a:t>
                       </a:r>
                       <a:endParaRPr lang="en-US" dirty="0" smtClean="0"/>
                     </a:p>
@@ -5196,13 +5198,13 @@
                     <a:p>
                       <a:r>
                         <a:rPr lang="en-US" dirty="0" smtClean="0"/>
-                        <a:t>FRR: 0.13655</a:t>
-                      </a:r>
-                    </a:p>
-                    <a:p>
-                      <a:r>
-                        <a:rPr lang="en-US" dirty="0" smtClean="0"/>
-                        <a:t>FAR: 0.15544</a:t>
+                        <a:t>FRR: 0.08434</a:t>
+                      </a:r>
+                    </a:p>
+                    <a:p>
+                      <a:r>
+                        <a:rPr lang="en-US" dirty="0" smtClean="0"/>
+                        <a:t>FAR: 0.06410</a:t>
                       </a:r>
                       <a:endParaRPr lang="en-US" dirty="0" smtClean="0"/>
                     </a:p>
@@ -5216,13 +5218,13 @@
                     <a:p>
                       <a:r>
                         <a:rPr lang="en-US" dirty="0" smtClean="0"/>
-                        <a:t>FRR: 0.13830</a:t>
-                      </a:r>
-                    </a:p>
-                    <a:p>
-                      <a:r>
-                        <a:rPr lang="en-US" dirty="0" smtClean="0"/>
-                        <a:t>FAR: 0.23424</a:t>
+                        <a:t>FRR: 0.18085</a:t>
+                      </a:r>
+                    </a:p>
+                    <a:p>
+                      <a:r>
+                        <a:rPr lang="en-US" dirty="0" smtClean="0"/>
+                        <a:t>FAR: 0.00380</a:t>
                       </a:r>
                       <a:endParaRPr lang="en-US" dirty="0"/>
                     </a:p>
@@ -5236,13 +5238,13 @@
                     <a:p>
                       <a:r>
                         <a:rPr lang="en-US" dirty="0" smtClean="0"/>
-                        <a:t>FRR: 0.10891</a:t>
-                      </a:r>
-                    </a:p>
-                    <a:p>
-                      <a:r>
-                        <a:rPr lang="en-US" dirty="0" smtClean="0"/>
-                        <a:t>FAR: 0.08252</a:t>
+                        <a:t>FRR: 0.13861</a:t>
+                      </a:r>
+                    </a:p>
+                    <a:p>
+                      <a:r>
+                        <a:rPr lang="en-US" dirty="0" smtClean="0"/>
+                        <a:t>FAR: 0.00722</a:t>
                       </a:r>
                       <a:endParaRPr lang="en-US" dirty="0"/>
                     </a:p>
@@ -5256,13 +5258,13 @@
                     <a:p>
                       <a:r>
                         <a:rPr lang="en-US" dirty="0" smtClean="0"/>
-                        <a:t>FRR: 0.18095</a:t>
-                      </a:r>
-                    </a:p>
-                    <a:p>
-                      <a:r>
-                        <a:rPr lang="en-US" dirty="0" smtClean="0"/>
-                        <a:t>FAR: 0.08407</a:t>
+                        <a:t>FRR: 0.08571</a:t>
+                      </a:r>
+                    </a:p>
+                    <a:p>
+                      <a:r>
+                        <a:rPr lang="en-US" dirty="0" smtClean="0"/>
+                        <a:t>FAR: 0.05852</a:t>
                       </a:r>
                       <a:endParaRPr lang="en-US" dirty="0"/>
                     </a:p>
@@ -5276,13 +5278,13 @@
                     <a:p>
                       <a:r>
                         <a:rPr lang="en-US" dirty="0" smtClean="0"/>
-                        <a:t>FRR: 0.14170</a:t>
-                      </a:r>
-                    </a:p>
-                    <a:p>
-                      <a:r>
-                        <a:rPr lang="en-US" dirty="0" smtClean="0"/>
-                        <a:t>FAR: 0.26043</a:t>
+                        <a:t>FRR: 0.05263</a:t>
+                      </a:r>
+                    </a:p>
+                    <a:p>
+                      <a:r>
+                        <a:rPr lang="en-US" dirty="0" smtClean="0"/>
+                        <a:t>FAR: 0.00927</a:t>
                       </a:r>
                       <a:endParaRPr lang="en-US" dirty="0"/>
                     </a:p>
@@ -5327,13 +5329,13 @@
                     <a:p>
                       <a:r>
                         <a:rPr lang="en-US" dirty="0" smtClean="0"/>
-                        <a:t>FRR: 0.11719</a:t>
-                      </a:r>
-                    </a:p>
-                    <a:p>
-                      <a:r>
-                        <a:rPr lang="en-US" dirty="0" smtClean="0"/>
-                        <a:t>FAR: 0.08395</a:t>
+                        <a:t>FRR: 0.11300</a:t>
+                      </a:r>
+                    </a:p>
+                    <a:p>
+                      <a:r>
+                        <a:rPr lang="en-US" dirty="0" smtClean="0"/>
+                        <a:t>FAR: 0.05319</a:t>
                       </a:r>
                       <a:endParaRPr lang="en-US" dirty="0" smtClean="0"/>
                     </a:p>
@@ -5347,13 +5349,13 @@
                     <a:p>
                       <a:r>
                         <a:rPr lang="en-US" dirty="0" smtClean="0"/>
-                        <a:t>FRR: 0.12297</a:t>
-                      </a:r>
-                    </a:p>
-                    <a:p>
-                      <a:r>
-                        <a:rPr lang="en-US" dirty="0" smtClean="0"/>
-                        <a:t>FAR: 0.08483</a:t>
+                        <a:t>FRR: 0.13623</a:t>
+                      </a:r>
+                    </a:p>
+                    <a:p>
+                      <a:r>
+                        <a:rPr lang="en-US" dirty="0" smtClean="0"/>
+                        <a:t>FAR: 0.04884</a:t>
                       </a:r>
                       <a:endParaRPr lang="en-US" dirty="0" smtClean="0"/>
                     </a:p>
@@ -5367,13 +5369,13 @@
                     <a:p>
                       <a:r>
                         <a:rPr lang="en-US" dirty="0" smtClean="0"/>
-                        <a:t>FRR: 0.12672</a:t>
-                      </a:r>
-                    </a:p>
-                    <a:p>
-                      <a:r>
-                        <a:rPr lang="en-US" dirty="0" smtClean="0"/>
-                        <a:t>FAR: 0.08202</a:t>
+                        <a:t>FRR: 0.14064</a:t>
+                      </a:r>
+                    </a:p>
+                    <a:p>
+                      <a:r>
+                        <a:rPr lang="en-US" dirty="0" smtClean="0"/>
+                        <a:t>FAR: 0.06021</a:t>
                       </a:r>
                       <a:endParaRPr lang="en-US" dirty="0" smtClean="0"/>
                     </a:p>
@@ -5387,13 +5389,13 @@
                     <a:p>
                       <a:r>
                         <a:rPr lang="en-US" dirty="0" smtClean="0"/>
-                        <a:t>FRR: 0.15492</a:t>
-                      </a:r>
-                    </a:p>
-                    <a:p>
-                      <a:r>
-                        <a:rPr lang="en-US" dirty="0" smtClean="0"/>
-                        <a:t>FAR: 0.09051</a:t>
+                        <a:t>FRR: 0.10656</a:t>
+                      </a:r>
+                    </a:p>
+                    <a:p>
+                      <a:r>
+                        <a:rPr lang="en-US" dirty="0" smtClean="0"/>
+                        <a:t>FAR: 0.06853</a:t>
                       </a:r>
                       <a:endParaRPr lang="en-US" dirty="0" smtClean="0"/>
                     </a:p>
@@ -5407,15 +5409,15 @@
                     <a:p>
                       <a:r>
                         <a:rPr lang="en-US" dirty="0" smtClean="0"/>
-                        <a:t>FRR: 0.11103</a:t>
-                      </a:r>
-                    </a:p>
-                    <a:p>
-                      <a:r>
-                        <a:rPr lang="en-US" dirty="0" smtClean="0"/>
-                        <a:t>FAR: 0.10289</a:t>
-                      </a:r>
-                      <a:endParaRPr lang="en-US" dirty="0"/>
+                        <a:t>FRR: 0.09435</a:t>
+                      </a:r>
+                    </a:p>
+                    <a:p>
+                      <a:r>
+                        <a:rPr lang="en-US" smtClean="0"/>
+                        <a:t>FAR: 0.02593</a:t>
+                      </a:r>
+                      <a:endParaRPr lang="en-US" dirty="0" smtClean="0"/>
                     </a:p>
                   </a:txBody>
                   <a:tcPr/>
